--- a/posters/poster 2.pptx
+++ b/posters/poster 2.pptx
@@ -252,7 +252,7 @@
           <a:p>
             <a:fld id="{250E3341-2102-4F17-AC1D-1CFBA686A38E}" type="datetimeFigureOut">
               <a:rPr lang="de-DE" smtClean="0"/>
-              <a:t>18.06.2023</a:t>
+              <a:t>21.06.2023</a:t>
             </a:fld>
             <a:endParaRPr lang="de-DE"/>
           </a:p>
@@ -422,7 +422,7 @@
           <a:p>
             <a:fld id="{250E3341-2102-4F17-AC1D-1CFBA686A38E}" type="datetimeFigureOut">
               <a:rPr lang="de-DE" smtClean="0"/>
-              <a:t>18.06.2023</a:t>
+              <a:t>21.06.2023</a:t>
             </a:fld>
             <a:endParaRPr lang="de-DE"/>
           </a:p>
@@ -602,7 +602,7 @@
           <a:p>
             <a:fld id="{250E3341-2102-4F17-AC1D-1CFBA686A38E}" type="datetimeFigureOut">
               <a:rPr lang="de-DE" smtClean="0"/>
-              <a:t>18.06.2023</a:t>
+              <a:t>21.06.2023</a:t>
             </a:fld>
             <a:endParaRPr lang="de-DE"/>
           </a:p>
@@ -772,7 +772,7 @@
           <a:p>
             <a:fld id="{250E3341-2102-4F17-AC1D-1CFBA686A38E}" type="datetimeFigureOut">
               <a:rPr lang="de-DE" smtClean="0"/>
-              <a:t>18.06.2023</a:t>
+              <a:t>21.06.2023</a:t>
             </a:fld>
             <a:endParaRPr lang="de-DE"/>
           </a:p>
@@ -1016,7 +1016,7 @@
           <a:p>
             <a:fld id="{250E3341-2102-4F17-AC1D-1CFBA686A38E}" type="datetimeFigureOut">
               <a:rPr lang="de-DE" smtClean="0"/>
-              <a:t>18.06.2023</a:t>
+              <a:t>21.06.2023</a:t>
             </a:fld>
             <a:endParaRPr lang="de-DE"/>
           </a:p>
@@ -1248,7 +1248,7 @@
           <a:p>
             <a:fld id="{250E3341-2102-4F17-AC1D-1CFBA686A38E}" type="datetimeFigureOut">
               <a:rPr lang="de-DE" smtClean="0"/>
-              <a:t>18.06.2023</a:t>
+              <a:t>21.06.2023</a:t>
             </a:fld>
             <a:endParaRPr lang="de-DE"/>
           </a:p>
@@ -1615,7 +1615,7 @@
           <a:p>
             <a:fld id="{250E3341-2102-4F17-AC1D-1CFBA686A38E}" type="datetimeFigureOut">
               <a:rPr lang="de-DE" smtClean="0"/>
-              <a:t>18.06.2023</a:t>
+              <a:t>21.06.2023</a:t>
             </a:fld>
             <a:endParaRPr lang="de-DE"/>
           </a:p>
@@ -1733,7 +1733,7 @@
           <a:p>
             <a:fld id="{250E3341-2102-4F17-AC1D-1CFBA686A38E}" type="datetimeFigureOut">
               <a:rPr lang="de-DE" smtClean="0"/>
-              <a:t>18.06.2023</a:t>
+              <a:t>21.06.2023</a:t>
             </a:fld>
             <a:endParaRPr lang="de-DE"/>
           </a:p>
@@ -1828,7 +1828,7 @@
           <a:p>
             <a:fld id="{250E3341-2102-4F17-AC1D-1CFBA686A38E}" type="datetimeFigureOut">
               <a:rPr lang="de-DE" smtClean="0"/>
-              <a:t>18.06.2023</a:t>
+              <a:t>21.06.2023</a:t>
             </a:fld>
             <a:endParaRPr lang="de-DE"/>
           </a:p>
@@ -2105,7 +2105,7 @@
           <a:p>
             <a:fld id="{250E3341-2102-4F17-AC1D-1CFBA686A38E}" type="datetimeFigureOut">
               <a:rPr lang="de-DE" smtClean="0"/>
-              <a:t>18.06.2023</a:t>
+              <a:t>21.06.2023</a:t>
             </a:fld>
             <a:endParaRPr lang="de-DE"/>
           </a:p>
@@ -2362,7 +2362,7 @@
           <a:p>
             <a:fld id="{250E3341-2102-4F17-AC1D-1CFBA686A38E}" type="datetimeFigureOut">
               <a:rPr lang="de-DE" smtClean="0"/>
-              <a:t>18.06.2023</a:t>
+              <a:t>21.06.2023</a:t>
             </a:fld>
             <a:endParaRPr lang="de-DE"/>
           </a:p>
@@ -2575,7 +2575,7 @@
           <a:p>
             <a:fld id="{250E3341-2102-4F17-AC1D-1CFBA686A38E}" type="datetimeFigureOut">
               <a:rPr lang="de-DE" smtClean="0"/>
-              <a:t>18.06.2023</a:t>
+              <a:t>21.06.2023</a:t>
             </a:fld>
             <a:endParaRPr lang="de-DE"/>
           </a:p>
@@ -3059,14 +3059,6 @@
               </a:rPr>
               <a:t>Farm Guard</a:t>
             </a:r>
-            <a:endParaRPr lang="de-DE" sz="2800" dirty="0" smtClean="0">
-              <a:solidFill>
-                <a:schemeClr val="tx2">
-                  <a:lumMod val="75000"/>
-                </a:schemeClr>
-              </a:solidFill>
-              <a:latin typeface="Trebuchet MS" panose="020B0603020202020204" pitchFamily="34" charset="0"/>
-            </a:endParaRPr>
           </a:p>
           <a:p>
             <a:pPr algn="ctr"/>
@@ -3081,14 +3073,6 @@
               </a:rPr>
               <a:t>Cognitive Behavior</a:t>
             </a:r>
-            <a:endParaRPr lang="de-DE" sz="2800" dirty="0" smtClean="0">
-              <a:solidFill>
-                <a:schemeClr val="tx2">
-                  <a:lumMod val="75000"/>
-                </a:schemeClr>
-              </a:solidFill>
-              <a:latin typeface="Trebuchet MS" panose="020B0603020202020204" pitchFamily="34" charset="0"/>
-            </a:endParaRPr>
           </a:p>
           <a:p>
             <a:endParaRPr lang="de-DE" sz="895" dirty="0">
@@ -3112,7 +3096,7 @@
         <p:spPr>
           <a:xfrm>
             <a:off x="658080" y="4514701"/>
-            <a:ext cx="8285040" cy="3016210"/>
+            <a:ext cx="8285040" cy="2923877"/>
           </a:xfrm>
           <a:prstGeom prst="rect">
             <a:avLst/>
@@ -3151,24 +3135,20 @@
               <a:buChar char="•"/>
             </a:pPr>
             <a:r>
+              <a:rPr lang="en-US" sz="1600" b="1" dirty="0" smtClean="0"/>
+              <a:t>Data </a:t>
+            </a:r>
+            <a:r>
+              <a:rPr lang="en-US" sz="1600" b="1" dirty="0"/>
+              <a:t>Gathering (JupyterLab </a:t>
+            </a:r>
+            <a:r>
               <a:rPr lang="en-US" sz="1600" dirty="0" smtClean="0"/>
-              <a:t>Data </a:t>
-            </a:r>
-            <a:r>
-              <a:rPr lang="en-US" sz="1600" dirty="0"/>
-              <a:t>Gathering (</a:t>
-            </a:r>
-            <a:r>
-              <a:rPr lang="en-US" sz="1600" dirty="0" err="1"/>
-              <a:t>JupyterLab</a:t>
-            </a:r>
-            <a:r>
-              <a:rPr lang="en-US" sz="1600" dirty="0"/>
-              <a:t> </a:t>
-            </a:r>
-            <a:r>
-              <a:rPr lang="en-US" sz="1600" dirty="0" smtClean="0"/>
-              <a:t>environment)</a:t>
+              <a:t>environment</a:t>
+            </a:r>
+            <a:r>
+              <a:rPr lang="en-US" sz="1600" b="1" dirty="0" smtClean="0"/>
+              <a:t>)</a:t>
             </a:r>
           </a:p>
           <a:p>
@@ -3177,33 +3157,30 @@
               <a:buChar char="•"/>
             </a:pPr>
             <a:r>
+              <a:rPr lang="en-US" sz="1600" b="1" dirty="0" smtClean="0"/>
+              <a:t>2500</a:t>
+            </a:r>
+            <a:r>
               <a:rPr lang="en-US" sz="1600" dirty="0" smtClean="0"/>
-              <a:t>2500 images in total</a:t>
-            </a:r>
-          </a:p>
-          <a:p>
-            <a:pPr marL="742950" lvl="1" indent="-285750">
-              <a:buFont typeface="Arial" panose="020B0604020202020204" pitchFamily="34" charset="0"/>
-              <a:buChar char="•"/>
-            </a:pPr>
+              <a:t> images, </a:t>
+            </a:r>
+            <a:r>
+              <a:rPr lang="en-US" sz="1600" b="1" dirty="0" smtClean="0"/>
+              <a:t>80% </a:t>
+            </a:r>
             <a:r>
               <a:rPr lang="en-US" sz="1600" dirty="0" smtClean="0"/>
-              <a:t>2000 </a:t>
-            </a:r>
-            <a:r>
-              <a:rPr lang="en-US" sz="1600" dirty="0"/>
-              <a:t>training</a:t>
-            </a:r>
-          </a:p>
-          <a:p>
-            <a:pPr marL="742950" lvl="1" indent="-285750">
-              <a:buFont typeface="Arial" panose="020B0604020202020204" pitchFamily="34" charset="0"/>
-              <a:buChar char="•"/>
-            </a:pPr>
-            <a:r>
-              <a:rPr lang="en-US" sz="1600" dirty="0"/>
-              <a:t>Testing 500</a:t>
-            </a:r>
+              <a:t>for training, </a:t>
+            </a:r>
+            <a:r>
+              <a:rPr lang="en-US" sz="1600" b="1" dirty="0" smtClean="0"/>
+              <a:t>20%</a:t>
+            </a:r>
+            <a:r>
+              <a:rPr lang="en-US" sz="1600" dirty="0" smtClean="0"/>
+              <a:t> for Testing</a:t>
+            </a:r>
+            <a:endParaRPr lang="en-US" sz="1600" dirty="0"/>
           </a:p>
           <a:p>
             <a:pPr marL="285750" lvl="0" indent="-285750">
@@ -3211,18 +3188,28 @@
               <a:buChar char="•"/>
             </a:pPr>
             <a:r>
+              <a:rPr lang="en-US" sz="1600" b="1" dirty="0"/>
+              <a:t>Data </a:t>
+            </a:r>
+            <a:r>
+              <a:rPr lang="en-US" sz="1600" b="1" dirty="0" smtClean="0"/>
+              <a:t>Labeling: </a:t>
+            </a:r>
+            <a:r>
+              <a:rPr lang="en-US" sz="1600" dirty="0" smtClean="0"/>
+              <a:t>Return </a:t>
+            </a:r>
+            <a:r>
+              <a:rPr lang="en-US" sz="1600" b="1" dirty="0"/>
+              <a:t>x </a:t>
+            </a:r>
+            <a:r>
               <a:rPr lang="en-US" sz="1600" dirty="0"/>
-              <a:t>Data Labeling</a:t>
-            </a:r>
-          </a:p>
-          <a:p>
-            <a:pPr marL="742950" lvl="1" indent="-285750">
-              <a:buFont typeface="Arial" panose="020B0604020202020204" pitchFamily="34" charset="0"/>
-              <a:buChar char="•"/>
-            </a:pPr>
-            <a:r>
-              <a:rPr lang="en-US" sz="1600" dirty="0"/>
-              <a:t>Return x and y</a:t>
+              <a:t>and </a:t>
+            </a:r>
+            <a:r>
+              <a:rPr lang="en-US" sz="1600" b="1" dirty="0"/>
+              <a:t>y</a:t>
             </a:r>
           </a:p>
           <a:p>
@@ -3231,18 +3218,16 @@
               <a:buChar char="•"/>
             </a:pPr>
             <a:r>
+              <a:rPr lang="en-US" sz="1600" b="1" dirty="0" smtClean="0"/>
+              <a:t>Network: </a:t>
+            </a:r>
+            <a:r>
+              <a:rPr lang="en-US" sz="1600" dirty="0" smtClean="0"/>
+              <a:t>ResNet18 </a:t>
+            </a:r>
+            <a:r>
               <a:rPr lang="en-US" sz="1600" dirty="0"/>
-              <a:t>Choosing The Network</a:t>
-            </a:r>
-          </a:p>
-          <a:p>
-            <a:pPr marL="742950" lvl="1" indent="-285750">
-              <a:buFont typeface="Arial" panose="020B0604020202020204" pitchFamily="34" charset="0"/>
-              <a:buChar char="•"/>
-            </a:pPr>
-            <a:r>
-              <a:rPr lang="en-US" sz="1600" dirty="0"/>
-              <a:t>ResNet18 and ResNet34</a:t>
+              <a:t>and ResNet34</a:t>
             </a:r>
           </a:p>
           <a:p>
@@ -3251,18 +3236,8 @@
               <a:buChar char="•"/>
             </a:pPr>
             <a:r>
-              <a:rPr lang="en-US" sz="1600" dirty="0"/>
+              <a:rPr lang="en-US" sz="1600" b="1" dirty="0"/>
               <a:t>Data Augmentation</a:t>
-            </a:r>
-          </a:p>
-          <a:p>
-            <a:pPr marL="285750" lvl="0" indent="-285750">
-              <a:buFont typeface="Arial" panose="020B0604020202020204" pitchFamily="34" charset="0"/>
-              <a:buChar char="•"/>
-            </a:pPr>
-            <a:r>
-              <a:rPr lang="en-US" sz="1600" dirty="0"/>
-              <a:t>Training and Testing The Network</a:t>
             </a:r>
           </a:p>
           <a:p>
@@ -3270,10 +3245,51 @@
               <a:buFont typeface="Arial" panose="020B0604020202020204" pitchFamily="34" charset="0"/>
               <a:buChar char="•"/>
             </a:pPr>
-            <a:r>
-              <a:rPr lang="en-US" sz="1600" dirty="0"/>
-              <a:t>Test in The Real Environment</a:t>
-            </a:r>
+            <a:endParaRPr lang="en-US" sz="1600" dirty="0" smtClean="0">
+              <a:latin typeface="Trebuchet MS" panose="020B0603020202020204" pitchFamily="34" charset="0"/>
+            </a:endParaRPr>
+          </a:p>
+          <a:p>
+            <a:pPr marL="285750" indent="-285750">
+              <a:buFont typeface="Arial" panose="020B0604020202020204" pitchFamily="34" charset="0"/>
+              <a:buChar char="•"/>
+            </a:pPr>
+            <a:endParaRPr lang="en-US" sz="1600" dirty="0">
+              <a:latin typeface="Trebuchet MS" panose="020B0603020202020204" pitchFamily="34" charset="0"/>
+            </a:endParaRPr>
+          </a:p>
+          <a:p>
+            <a:pPr marL="285750" indent="-285750">
+              <a:buFont typeface="Arial" panose="020B0604020202020204" pitchFamily="34" charset="0"/>
+              <a:buChar char="•"/>
+            </a:pPr>
+            <a:endParaRPr lang="en-US" sz="1600" dirty="0">
+              <a:latin typeface="Trebuchet MS" panose="020B0603020202020204" pitchFamily="34" charset="0"/>
+            </a:endParaRPr>
+          </a:p>
+          <a:p>
+            <a:pPr marL="285750" indent="-285750">
+              <a:buFont typeface="Arial" panose="020B0604020202020204" pitchFamily="34" charset="0"/>
+              <a:buChar char="•"/>
+            </a:pPr>
+            <a:endParaRPr lang="en-US" sz="1600" dirty="0" smtClean="0">
+              <a:latin typeface="Trebuchet MS" panose="020B0603020202020204" pitchFamily="34" charset="0"/>
+            </a:endParaRPr>
+          </a:p>
+          <a:p>
+            <a:pPr marL="285750" indent="-285750">
+              <a:buFont typeface="Arial" panose="020B0604020202020204" pitchFamily="34" charset="0"/>
+              <a:buChar char="•"/>
+            </a:pPr>
+            <a:endParaRPr lang="en-US" sz="1600" dirty="0">
+              <a:latin typeface="Trebuchet MS" panose="020B0603020202020204" pitchFamily="34" charset="0"/>
+            </a:endParaRPr>
+          </a:p>
+          <a:p>
+            <a:pPr marL="285750" indent="-285750">
+              <a:buFont typeface="Arial" panose="020B0604020202020204" pitchFamily="34" charset="0"/>
+              <a:buChar char="•"/>
+            </a:pPr>
             <a:endParaRPr lang="de-DE" sz="1400" dirty="0">
               <a:latin typeface="Trebuchet MS" panose="020B0603020202020204" pitchFamily="34" charset="0"/>
             </a:endParaRPr>
@@ -3336,8 +3352,20 @@
               <a:buChar char="•"/>
             </a:pPr>
             <a:r>
+              <a:rPr lang="de-DE" sz="1600" b="1" dirty="0" smtClean="0"/>
+              <a:t>3.5</a:t>
+            </a:r>
+            <a:r>
               <a:rPr lang="de-DE" sz="1600" dirty="0" smtClean="0"/>
-              <a:t>3.5m * 7.5m</a:t>
+              <a:t>m * </a:t>
+            </a:r>
+            <a:r>
+              <a:rPr lang="de-DE" sz="1600" b="1" dirty="0" smtClean="0"/>
+              <a:t>7.5</a:t>
+            </a:r>
+            <a:r>
+              <a:rPr lang="de-DE" sz="1600" dirty="0" smtClean="0"/>
+              <a:t>m</a:t>
             </a:r>
           </a:p>
           <a:p>
@@ -3748,7 +3776,7 @@
         <p:spPr>
           <a:xfrm>
             <a:off x="653717" y="8145581"/>
-            <a:ext cx="8285040" cy="3576364"/>
+            <a:ext cx="8285040" cy="3420167"/>
           </a:xfrm>
           <a:prstGeom prst="rect">
             <a:avLst/>
@@ -3778,18 +3806,17 @@
             </a:endParaRPr>
           </a:p>
           <a:p>
-            <a:endParaRPr lang="de-DE" sz="1015" dirty="0">
-              <a:latin typeface="Trebuchet MS" panose="020B0603020202020204" pitchFamily="34" charset="0"/>
-            </a:endParaRPr>
-          </a:p>
-          <a:p>
             <a:pPr marL="285750" indent="-285750">
               <a:buFont typeface="Arial" panose="020B0604020202020204" pitchFamily="34" charset="0"/>
               <a:buChar char="•"/>
             </a:pPr>
             <a:r>
+              <a:rPr lang="de-DE" sz="1600" b="1" dirty="0" smtClean="0"/>
+              <a:t>4 </a:t>
+            </a:r>
+            <a:r>
               <a:rPr lang="de-DE" sz="1600" dirty="0" smtClean="0"/>
-              <a:t>4 main categories of signs</a:t>
+              <a:t>main categories of signs</a:t>
             </a:r>
           </a:p>
           <a:p>
@@ -3798,8 +3825,12 @@
               <a:buChar char="•"/>
             </a:pPr>
             <a:r>
+              <a:rPr lang="de-DE" sz="1600" b="1" dirty="0" smtClean="0"/>
+              <a:t>Augmentation</a:t>
+            </a:r>
+            <a:r>
               <a:rPr lang="de-DE" sz="1600" dirty="0" smtClean="0"/>
-              <a:t>Augmentation the data</a:t>
+              <a:t> the data</a:t>
             </a:r>
           </a:p>
           <a:p>
@@ -3893,10 +3924,6 @@
             <a:endParaRPr lang="de-DE" sz="1015" dirty="0"/>
           </a:p>
           <a:p>
-            <a:pPr marL="285750" indent="-285750">
-              <a:buFont typeface="Arial" panose="020B0604020202020204" pitchFamily="34" charset="0"/>
-              <a:buChar char="•"/>
-            </a:pPr>
             <a:endParaRPr lang="de-DE" sz="1015" dirty="0" smtClean="0"/>
           </a:p>
           <a:p>
@@ -3929,7 +3956,7 @@
         </p:nvSpPr>
         <p:spPr>
           <a:xfrm>
-            <a:off x="779707" y="7958919"/>
+            <a:off x="779707" y="7897959"/>
             <a:ext cx="1797287" cy="417678"/>
           </a:xfrm>
           <a:prstGeom prst="rect">
@@ -3987,7 +4014,7 @@
         </p:blipFill>
         <p:spPr>
           <a:xfrm>
-            <a:off x="7045002" y="1666354"/>
+            <a:off x="6861309" y="1643619"/>
             <a:ext cx="1290619" cy="1720825"/>
           </a:xfrm>
           <a:prstGeom prst="rect">
@@ -4017,7 +4044,7 @@
         </p:blipFill>
         <p:spPr>
           <a:xfrm>
-            <a:off x="8070656" y="2624107"/>
+            <a:off x="8228150" y="2490600"/>
             <a:ext cx="1244570" cy="1659426"/>
           </a:xfrm>
           <a:prstGeom prst="rect">
@@ -4047,8 +4074,8 @@
         </p:blipFill>
         <p:spPr>
           <a:xfrm>
-            <a:off x="2148974" y="9667686"/>
-            <a:ext cx="1249766" cy="1666354"/>
+            <a:off x="1377920" y="9919435"/>
+            <a:ext cx="1159355" cy="1545806"/>
           </a:xfrm>
           <a:prstGeom prst="rect">
             <a:avLst/>
@@ -4077,8 +4104,8 @@
         </p:blipFill>
         <p:spPr>
           <a:xfrm>
-            <a:off x="764717" y="9138680"/>
-            <a:ext cx="1192624" cy="1590165"/>
+            <a:off x="348866" y="9070871"/>
+            <a:ext cx="1106347" cy="1475129"/>
           </a:xfrm>
           <a:prstGeom prst="rect">
             <a:avLst/>
@@ -4087,14 +4114,14 @@
       </p:pic>
       <p:pic>
         <p:nvPicPr>
-          <p:cNvPr id="14" name="Picture 13"/>
+          <p:cNvPr id="3" name="Picture 2"/>
           <p:cNvPicPr>
             <a:picLocks noChangeAspect="1"/>
           </p:cNvPicPr>
           <p:nvPr/>
         </p:nvPicPr>
         <p:blipFill>
-          <a:blip r:embed="rId8" cstate="hqprint">
+          <a:blip r:embed="rId8">
             <a:extLst>
               <a:ext uri="{28A0092B-C50C-407E-A947-70E740481C1C}">
                 <a14:useLocalDpi xmlns:a14="http://schemas.microsoft.com/office/drawing/2010/main" val="0"/>
@@ -4107,8 +4134,8 @@
         </p:blipFill>
         <p:spPr>
           <a:xfrm>
-            <a:off x="5673402" y="6119980"/>
-            <a:ext cx="1371600" cy="1238359"/>
+            <a:off x="7987424" y="7859871"/>
+            <a:ext cx="1250174" cy="1250174"/>
           </a:xfrm>
           <a:prstGeom prst="rect">
             <a:avLst/>
@@ -4117,14 +4144,14 @@
       </p:pic>
       <p:pic>
         <p:nvPicPr>
-          <p:cNvPr id="15" name="Picture 14"/>
+          <p:cNvPr id="4" name="Picture 3"/>
           <p:cNvPicPr>
             <a:picLocks noChangeAspect="1"/>
           </p:cNvPicPr>
           <p:nvPr/>
         </p:nvPicPr>
         <p:blipFill>
-          <a:blip r:embed="rId9" cstate="hqprint">
+          <a:blip r:embed="rId9">
             <a:extLst>
               <a:ext uri="{28A0092B-C50C-407E-A947-70E740481C1C}">
                 <a14:useLocalDpi xmlns:a14="http://schemas.microsoft.com/office/drawing/2010/main" val="0"/>
@@ -4137,24 +4164,148 @@
         </p:blipFill>
         <p:spPr>
           <a:xfrm>
-            <a:off x="5673402" y="4736193"/>
-            <a:ext cx="1371600" cy="1221668"/>
+            <a:off x="7034702" y="8305823"/>
+            <a:ext cx="1250174" cy="1250174"/>
           </a:xfrm>
           <a:prstGeom prst="rect">
             <a:avLst/>
           </a:prstGeom>
         </p:spPr>
       </p:pic>
+      <p:sp>
+        <p:nvSpPr>
+          <p:cNvPr id="25" name="TextBox 24"/>
+          <p:cNvSpPr txBox="1"/>
+          <p:nvPr/>
+        </p:nvSpPr>
+        <p:spPr>
+          <a:xfrm>
+            <a:off x="6752694" y="3361289"/>
+            <a:ext cx="1507848" cy="261610"/>
+          </a:xfrm>
+          <a:prstGeom prst="rect">
+            <a:avLst/>
+          </a:prstGeom>
+          <a:noFill/>
+        </p:spPr>
+        <p:txBody>
+          <a:bodyPr wrap="square" rtlCol="0">
+            <a:spAutoFit/>
+          </a:bodyPr>
+          <a:lstStyle/>
+          <a:p>
+            <a:pPr algn="ctr"/>
+            <a:r>
+              <a:rPr lang="en-US" sz="1100" b="1" dirty="0" smtClean="0"/>
+              <a:t>Training Environment</a:t>
+            </a:r>
+            <a:endParaRPr lang="en-US" sz="1100" b="1" dirty="0"/>
+          </a:p>
+        </p:txBody>
+      </p:sp>
+      <p:sp>
+        <p:nvSpPr>
+          <p:cNvPr id="31" name="TextBox 30"/>
+          <p:cNvSpPr txBox="1"/>
+          <p:nvPr/>
+        </p:nvSpPr>
+        <p:spPr>
+          <a:xfrm>
+            <a:off x="8288543" y="4143715"/>
+            <a:ext cx="1123783" cy="261610"/>
+          </a:xfrm>
+          <a:prstGeom prst="rect">
+            <a:avLst/>
+          </a:prstGeom>
+          <a:noFill/>
+        </p:spPr>
+        <p:txBody>
+          <a:bodyPr wrap="square" rtlCol="0">
+            <a:spAutoFit/>
+          </a:bodyPr>
+          <a:lstStyle/>
+          <a:p>
+            <a:pPr algn="ctr"/>
+            <a:r>
+              <a:rPr lang="en-US" sz="1100" b="1" dirty="0" smtClean="0"/>
+              <a:t>Road Signs</a:t>
+            </a:r>
+            <a:endParaRPr lang="en-US" sz="1100" b="1" dirty="0"/>
+          </a:p>
+        </p:txBody>
+      </p:sp>
+      <p:sp>
+        <p:nvSpPr>
+          <p:cNvPr id="32" name="TextBox 31"/>
+          <p:cNvSpPr txBox="1"/>
+          <p:nvPr/>
+        </p:nvSpPr>
+        <p:spPr>
+          <a:xfrm>
+            <a:off x="7519101" y="9542009"/>
+            <a:ext cx="1323428" cy="261610"/>
+          </a:xfrm>
+          <a:prstGeom prst="rect">
+            <a:avLst/>
+          </a:prstGeom>
+          <a:noFill/>
+        </p:spPr>
+        <p:txBody>
+          <a:bodyPr wrap="square" rtlCol="0">
+            <a:spAutoFit/>
+          </a:bodyPr>
+          <a:lstStyle/>
+          <a:p>
+            <a:pPr algn="ctr"/>
+            <a:r>
+              <a:rPr lang="en-US" sz="1100" b="1" dirty="0" smtClean="0"/>
+              <a:t>Data Augmentation</a:t>
+            </a:r>
+            <a:endParaRPr lang="en-US" sz="1100" b="1" dirty="0"/>
+          </a:p>
+        </p:txBody>
+      </p:sp>
+      <p:sp>
+        <p:nvSpPr>
+          <p:cNvPr id="33" name="TextBox 32"/>
+          <p:cNvSpPr txBox="1"/>
+          <p:nvPr/>
+        </p:nvSpPr>
+        <p:spPr>
+          <a:xfrm>
+            <a:off x="1382882" y="9657825"/>
+            <a:ext cx="1443165" cy="261610"/>
+          </a:xfrm>
+          <a:prstGeom prst="rect">
+            <a:avLst/>
+          </a:prstGeom>
+          <a:noFill/>
+        </p:spPr>
+        <p:txBody>
+          <a:bodyPr wrap="square" rtlCol="0">
+            <a:spAutoFit/>
+          </a:bodyPr>
+          <a:lstStyle/>
+          <a:p>
+            <a:pPr algn="ctr"/>
+            <a:r>
+              <a:rPr lang="en-US" sz="1100" b="1" dirty="0" smtClean="0"/>
+              <a:t>Classification Testing</a:t>
+            </a:r>
+            <a:endParaRPr lang="en-US" sz="1100" b="1" dirty="0"/>
+          </a:p>
+        </p:txBody>
+      </p:sp>
       <p:pic>
         <p:nvPicPr>
-          <p:cNvPr id="16" name="Picture 15"/>
+          <p:cNvPr id="26" name="Picture 25"/>
           <p:cNvPicPr>
             <a:picLocks noChangeAspect="1"/>
           </p:cNvPicPr>
           <p:nvPr/>
         </p:nvPicPr>
         <p:blipFill>
-          <a:blip r:embed="rId10" cstate="hqprint">
+          <a:blip r:embed="rId10">
             <a:extLst>
               <a:ext uri="{28A0092B-C50C-407E-A947-70E740481C1C}">
                 <a14:useLocalDpi xmlns:a14="http://schemas.microsoft.com/office/drawing/2010/main" val="0"/>
@@ -4167,24 +4318,59 @@
         </p:blipFill>
         <p:spPr>
           <a:xfrm>
-            <a:off x="7342895" y="4736193"/>
-            <a:ext cx="1371600" cy="1234830"/>
+            <a:off x="5502557" y="2311729"/>
+            <a:ext cx="1242048" cy="1242048"/>
           </a:xfrm>
           <a:prstGeom prst="rect">
             <a:avLst/>
           </a:prstGeom>
         </p:spPr>
       </p:pic>
+      <p:sp>
+        <p:nvSpPr>
+          <p:cNvPr id="36" name="TextBox 35"/>
+          <p:cNvSpPr txBox="1"/>
+          <p:nvPr/>
+        </p:nvSpPr>
+        <p:spPr>
+          <a:xfrm>
+            <a:off x="5368256" y="3544050"/>
+            <a:ext cx="1507848" cy="261610"/>
+          </a:xfrm>
+          <a:prstGeom prst="rect">
+            <a:avLst/>
+          </a:prstGeom>
+          <a:noFill/>
+        </p:spPr>
+        <p:txBody>
+          <a:bodyPr wrap="square" rtlCol="0">
+            <a:spAutoFit/>
+          </a:bodyPr>
+          <a:lstStyle/>
+          <a:p>
+            <a:pPr algn="ctr"/>
+            <a:r>
+              <a:rPr lang="en-US" sz="1100" b="1" dirty="0" err="1" smtClean="0"/>
+              <a:t>JetRacer</a:t>
+            </a:r>
+            <a:r>
+              <a:rPr lang="en-US" sz="1100" b="1" dirty="0" smtClean="0"/>
+              <a:t> POV</a:t>
+            </a:r>
+            <a:endParaRPr lang="en-US" sz="1100" b="1" dirty="0"/>
+          </a:p>
+        </p:txBody>
+      </p:sp>
       <p:pic>
         <p:nvPicPr>
-          <p:cNvPr id="19" name="Picture 18"/>
+          <p:cNvPr id="28" name="Picture 27"/>
           <p:cNvPicPr>
             <a:picLocks noChangeAspect="1"/>
           </p:cNvPicPr>
           <p:nvPr/>
         </p:nvPicPr>
         <p:blipFill>
-          <a:blip r:embed="rId11" cstate="hqprint">
+          <a:blip r:embed="rId11">
             <a:extLst>
               <a:ext uri="{28A0092B-C50C-407E-A947-70E740481C1C}">
                 <a14:useLocalDpi xmlns:a14="http://schemas.microsoft.com/office/drawing/2010/main" val="0"/>
@@ -4197,8 +4383,8 @@
         </p:blipFill>
         <p:spPr>
           <a:xfrm>
-            <a:off x="7359354" y="6123899"/>
-            <a:ext cx="1355141" cy="1234440"/>
+            <a:off x="6376416" y="5325308"/>
+            <a:ext cx="2412372" cy="1809279"/>
           </a:xfrm>
           <a:prstGeom prst="rect">
             <a:avLst/>
@@ -4207,14 +4393,14 @@
       </p:pic>
       <p:pic>
         <p:nvPicPr>
-          <p:cNvPr id="20" name="Picture 19"/>
+          <p:cNvPr id="29" name="Picture 28"/>
           <p:cNvPicPr>
             <a:picLocks noChangeAspect="1"/>
           </p:cNvPicPr>
           <p:nvPr/>
         </p:nvPicPr>
         <p:blipFill>
-          <a:blip r:embed="rId12" cstate="hqprint">
+          <a:blip r:embed="rId12">
             <a:extLst>
               <a:ext uri="{28A0092B-C50C-407E-A947-70E740481C1C}">
                 <a14:useLocalDpi xmlns:a14="http://schemas.microsoft.com/office/drawing/2010/main" val="0"/>
@@ -4227,8 +4413,8 @@
         </p:blipFill>
         <p:spPr>
           <a:xfrm>
-            <a:off x="7179412" y="8526527"/>
-            <a:ext cx="1645920" cy="1317190"/>
+            <a:off x="3876248" y="5325307"/>
+            <a:ext cx="2412372" cy="1809279"/>
           </a:xfrm>
           <a:prstGeom prst="rect">
             <a:avLst/>
@@ -4237,14 +4423,14 @@
       </p:pic>
       <p:pic>
         <p:nvPicPr>
-          <p:cNvPr id="21" name="Picture 20"/>
+          <p:cNvPr id="30" name="Picture 29"/>
           <p:cNvPicPr>
             <a:picLocks noChangeAspect="1"/>
           </p:cNvPicPr>
           <p:nvPr/>
         </p:nvPicPr>
         <p:blipFill>
-          <a:blip r:embed="rId13" cstate="hqprint">
+          <a:blip r:embed="rId13">
             <a:extLst>
               <a:ext uri="{28A0092B-C50C-407E-A947-70E740481C1C}">
                 <a14:useLocalDpi xmlns:a14="http://schemas.microsoft.com/office/drawing/2010/main" val="0"/>
@@ -4257,8 +4443,8 @@
         </p:blipFill>
         <p:spPr>
           <a:xfrm>
-            <a:off x="5345788" y="10057144"/>
-            <a:ext cx="1645920" cy="1287485"/>
+            <a:off x="4364149" y="8253012"/>
+            <a:ext cx="2116976" cy="1587732"/>
           </a:xfrm>
           <a:prstGeom prst="rect">
             <a:avLst/>
@@ -4267,14 +4453,14 @@
       </p:pic>
       <p:pic>
         <p:nvPicPr>
-          <p:cNvPr id="22" name="Picture 21"/>
+          <p:cNvPr id="34" name="Picture 33"/>
           <p:cNvPicPr>
             <a:picLocks noChangeAspect="1"/>
           </p:cNvPicPr>
           <p:nvPr/>
         </p:nvPicPr>
         <p:blipFill>
-          <a:blip r:embed="rId14" cstate="hqprint">
+          <a:blip r:embed="rId14">
             <a:extLst>
               <a:ext uri="{28A0092B-C50C-407E-A947-70E740481C1C}">
                 <a14:useLocalDpi xmlns:a14="http://schemas.microsoft.com/office/drawing/2010/main" val="0"/>
@@ -4287,8 +4473,8 @@
         </p:blipFill>
         <p:spPr>
           <a:xfrm>
-            <a:off x="5345788" y="8526527"/>
-            <a:ext cx="1645920" cy="1320856"/>
+            <a:off x="3094928" y="9840744"/>
+            <a:ext cx="2116976" cy="1587732"/>
           </a:xfrm>
           <a:prstGeom prst="rect">
             <a:avLst/>
@@ -4297,14 +4483,14 @@
       </p:pic>
       <p:pic>
         <p:nvPicPr>
-          <p:cNvPr id="23" name="Picture 22"/>
+          <p:cNvPr id="35" name="Picture 34"/>
           <p:cNvPicPr>
             <a:picLocks noChangeAspect="1"/>
           </p:cNvPicPr>
           <p:nvPr/>
         </p:nvPicPr>
         <p:blipFill>
-          <a:blip r:embed="rId15" cstate="hqprint">
+          <a:blip r:embed="rId15">
             <a:extLst>
               <a:ext uri="{28A0092B-C50C-407E-A947-70E740481C1C}">
                 <a14:useLocalDpi xmlns:a14="http://schemas.microsoft.com/office/drawing/2010/main" val="0"/>
@@ -4317,38 +4503,8 @@
         </p:blipFill>
         <p:spPr>
           <a:xfrm>
-            <a:off x="7179412" y="10030698"/>
-            <a:ext cx="1645920" cy="1313931"/>
-          </a:xfrm>
-          <a:prstGeom prst="rect">
-            <a:avLst/>
-          </a:prstGeom>
-        </p:spPr>
-      </p:pic>
-      <p:pic>
-        <p:nvPicPr>
-          <p:cNvPr id="24" name="Picture 23"/>
-          <p:cNvPicPr>
-            <a:picLocks noChangeAspect="1"/>
-          </p:cNvPicPr>
-          <p:nvPr/>
-        </p:nvPicPr>
-        <p:blipFill>
-          <a:blip r:embed="rId16" cstate="hqprint">
-            <a:extLst>
-              <a:ext uri="{28A0092B-C50C-407E-A947-70E740481C1C}">
-                <a14:useLocalDpi xmlns:a14="http://schemas.microsoft.com/office/drawing/2010/main" val="0"/>
-              </a:ext>
-            </a:extLst>
-          </a:blip>
-          <a:stretch>
-            <a:fillRect/>
-          </a:stretch>
-        </p:blipFill>
-        <p:spPr>
-          <a:xfrm>
-            <a:off x="3549304" y="9323708"/>
-            <a:ext cx="1645920" cy="1314008"/>
+            <a:off x="5758136" y="9840744"/>
+            <a:ext cx="2116976" cy="1587732"/>
           </a:xfrm>
           <a:prstGeom prst="rect">
             <a:avLst/>
